--- a/ppt 16-9/1389.从来没有人看.pptx
+++ b/ppt 16-9/1389.从来没有人看.pptx
@@ -129,7 +129,7 @@
           <p:cNvPr id="2" name="标题 1">
             <a:extLst>
               <a:ext uri="{FF2B5EF4-FFF2-40B4-BE49-F238E27FC236}">
-                <a16:creationId xmlns:a16="http://schemas.microsoft.com/office/drawing/2014/main" id="{310DD4AF-4893-72E1-1530-D901642C7D47}"/>
+                <a16:creationId xmlns:a16="http://schemas.microsoft.com/office/drawing/2014/main" id="{DC9A55DB-3BB5-B92D-A491-A35C4100D51E}"/>
               </a:ext>
             </a:extLst>
           </p:cNvPr>
@@ -166,7 +166,7 @@
           <p:cNvPr id="3" name="副标题 2">
             <a:extLst>
               <a:ext uri="{FF2B5EF4-FFF2-40B4-BE49-F238E27FC236}">
-                <a16:creationId xmlns:a16="http://schemas.microsoft.com/office/drawing/2014/main" id="{42D1D71A-3D5D-2D58-2CD7-A801745A70F8}"/>
+                <a16:creationId xmlns:a16="http://schemas.microsoft.com/office/drawing/2014/main" id="{39E4E556-9782-FD0E-CD8F-622963866C2A}"/>
               </a:ext>
             </a:extLst>
           </p:cNvPr>
@@ -236,7 +236,7 @@
           <p:cNvPr id="4" name="日期占位符 3">
             <a:extLst>
               <a:ext uri="{FF2B5EF4-FFF2-40B4-BE49-F238E27FC236}">
-                <a16:creationId xmlns:a16="http://schemas.microsoft.com/office/drawing/2014/main" id="{84FE0DE2-C5BD-55A8-4942-C95A65BC777A}"/>
+                <a16:creationId xmlns:a16="http://schemas.microsoft.com/office/drawing/2014/main" id="{9956FC21-E385-F14E-D67A-29DF29CA31AA}"/>
               </a:ext>
             </a:extLst>
           </p:cNvPr>
@@ -252,7 +252,7 @@
           <a:bodyPr/>
           <a:lstStyle/>
           <a:p>
-            <a:fld id="{43B4A34C-1A6F-4C42-93B1-9B3552973C8B}" type="datetimeFigureOut">
+            <a:fld id="{C3C6DC06-D994-4A62-9279-55A2E71164A1}" type="datetimeFigureOut">
               <a:rPr lang="zh-CN" altLang="en-US" smtClean="0"/>
               <a:t>2024/3/10</a:t>
             </a:fld>
@@ -265,7 +265,7 @@
           <p:cNvPr id="5" name="页脚占位符 4">
             <a:extLst>
               <a:ext uri="{FF2B5EF4-FFF2-40B4-BE49-F238E27FC236}">
-                <a16:creationId xmlns:a16="http://schemas.microsoft.com/office/drawing/2014/main" id="{9FDA8794-2E40-0747-3A38-752C9DB472D7}"/>
+                <a16:creationId xmlns:a16="http://schemas.microsoft.com/office/drawing/2014/main" id="{FDE83D90-B457-A321-02FE-F88BC3328AA9}"/>
               </a:ext>
             </a:extLst>
           </p:cNvPr>
@@ -290,7 +290,7 @@
           <p:cNvPr id="6" name="灯片编号占位符 5">
             <a:extLst>
               <a:ext uri="{FF2B5EF4-FFF2-40B4-BE49-F238E27FC236}">
-                <a16:creationId xmlns:a16="http://schemas.microsoft.com/office/drawing/2014/main" id="{565AD02D-EDC5-7DF5-3197-A72350B1C835}"/>
+                <a16:creationId xmlns:a16="http://schemas.microsoft.com/office/drawing/2014/main" id="{36349F95-12F6-644D-C6A2-CCCA3EB77166}"/>
               </a:ext>
             </a:extLst>
           </p:cNvPr>
@@ -306,7 +306,7 @@
           <a:bodyPr/>
           <a:lstStyle/>
           <a:p>
-            <a:fld id="{DED1D945-452B-4DE2-8268-76FF60F7E2F9}" type="slidenum">
+            <a:fld id="{9118C0F3-5485-4DC6-85AF-7DC825BF1658}" type="slidenum">
               <a:rPr lang="zh-CN" altLang="en-US" smtClean="0"/>
               <a:t>‹#›</a:t>
             </a:fld>
@@ -317,7 +317,7 @@
     </p:spTree>
     <p:extLst>
       <p:ext uri="{BB962C8B-B14F-4D97-AF65-F5344CB8AC3E}">
-        <p14:creationId xmlns:p14="http://schemas.microsoft.com/office/powerpoint/2010/main" val="1674536505"/>
+        <p14:creationId xmlns:p14="http://schemas.microsoft.com/office/powerpoint/2010/main" val="978365073"/>
       </p:ext>
     </p:extLst>
   </p:cSld>
@@ -349,7 +349,7 @@
           <p:cNvPr id="2" name="标题 1">
             <a:extLst>
               <a:ext uri="{FF2B5EF4-FFF2-40B4-BE49-F238E27FC236}">
-                <a16:creationId xmlns:a16="http://schemas.microsoft.com/office/drawing/2014/main" id="{D77BAC5A-BE62-60B9-7576-B29CD59E22A4}"/>
+                <a16:creationId xmlns:a16="http://schemas.microsoft.com/office/drawing/2014/main" id="{26052E7B-A71C-5758-8152-0735B7D1A4EF}"/>
               </a:ext>
             </a:extLst>
           </p:cNvPr>
@@ -377,7 +377,7 @@
           <p:cNvPr id="3" name="竖排文字占位符 2">
             <a:extLst>
               <a:ext uri="{FF2B5EF4-FFF2-40B4-BE49-F238E27FC236}">
-                <a16:creationId xmlns:a16="http://schemas.microsoft.com/office/drawing/2014/main" id="{6AC4877B-F471-1ABE-F588-7FF92B96F77F}"/>
+                <a16:creationId xmlns:a16="http://schemas.microsoft.com/office/drawing/2014/main" id="{35107982-A48E-08C2-20C3-6E94B66AC034}"/>
               </a:ext>
             </a:extLst>
           </p:cNvPr>
@@ -434,7 +434,7 @@
           <p:cNvPr id="4" name="日期占位符 3">
             <a:extLst>
               <a:ext uri="{FF2B5EF4-FFF2-40B4-BE49-F238E27FC236}">
-                <a16:creationId xmlns:a16="http://schemas.microsoft.com/office/drawing/2014/main" id="{80A92462-1852-272C-FE3F-E7A7F48FCC12}"/>
+                <a16:creationId xmlns:a16="http://schemas.microsoft.com/office/drawing/2014/main" id="{117FDA34-FDDA-0467-1853-F3A4F4A9BA90}"/>
               </a:ext>
             </a:extLst>
           </p:cNvPr>
@@ -450,7 +450,7 @@
           <a:bodyPr/>
           <a:lstStyle/>
           <a:p>
-            <a:fld id="{43B4A34C-1A6F-4C42-93B1-9B3552973C8B}" type="datetimeFigureOut">
+            <a:fld id="{C3C6DC06-D994-4A62-9279-55A2E71164A1}" type="datetimeFigureOut">
               <a:rPr lang="zh-CN" altLang="en-US" smtClean="0"/>
               <a:t>2024/3/10</a:t>
             </a:fld>
@@ -463,7 +463,7 @@
           <p:cNvPr id="5" name="页脚占位符 4">
             <a:extLst>
               <a:ext uri="{FF2B5EF4-FFF2-40B4-BE49-F238E27FC236}">
-                <a16:creationId xmlns:a16="http://schemas.microsoft.com/office/drawing/2014/main" id="{6C9BB058-1790-E0F0-68FD-E0E55A9A5D2C}"/>
+                <a16:creationId xmlns:a16="http://schemas.microsoft.com/office/drawing/2014/main" id="{DD071CF4-D9A4-A20D-6884-18276C7F83CB}"/>
               </a:ext>
             </a:extLst>
           </p:cNvPr>
@@ -488,7 +488,7 @@
           <p:cNvPr id="6" name="灯片编号占位符 5">
             <a:extLst>
               <a:ext uri="{FF2B5EF4-FFF2-40B4-BE49-F238E27FC236}">
-                <a16:creationId xmlns:a16="http://schemas.microsoft.com/office/drawing/2014/main" id="{272A0093-83DC-8065-0C3B-010E57580DBC}"/>
+                <a16:creationId xmlns:a16="http://schemas.microsoft.com/office/drawing/2014/main" id="{96280171-F339-5B9C-1AEF-F5D1273F4A8B}"/>
               </a:ext>
             </a:extLst>
           </p:cNvPr>
@@ -504,7 +504,7 @@
           <a:bodyPr/>
           <a:lstStyle/>
           <a:p>
-            <a:fld id="{DED1D945-452B-4DE2-8268-76FF60F7E2F9}" type="slidenum">
+            <a:fld id="{9118C0F3-5485-4DC6-85AF-7DC825BF1658}" type="slidenum">
               <a:rPr lang="zh-CN" altLang="en-US" smtClean="0"/>
               <a:t>‹#›</a:t>
             </a:fld>
@@ -515,7 +515,7 @@
     </p:spTree>
     <p:extLst>
       <p:ext uri="{BB962C8B-B14F-4D97-AF65-F5344CB8AC3E}">
-        <p14:creationId xmlns:p14="http://schemas.microsoft.com/office/powerpoint/2010/main" val="897585819"/>
+        <p14:creationId xmlns:p14="http://schemas.microsoft.com/office/powerpoint/2010/main" val="3604338301"/>
       </p:ext>
     </p:extLst>
   </p:cSld>
@@ -547,7 +547,7 @@
           <p:cNvPr id="2" name="竖排标题 1">
             <a:extLst>
               <a:ext uri="{FF2B5EF4-FFF2-40B4-BE49-F238E27FC236}">
-                <a16:creationId xmlns:a16="http://schemas.microsoft.com/office/drawing/2014/main" id="{7E536307-0BE7-ADB0-BD85-D36BCA793FED}"/>
+                <a16:creationId xmlns:a16="http://schemas.microsoft.com/office/drawing/2014/main" id="{72C66D1E-FAAF-991B-1ED5-F68623E21546}"/>
               </a:ext>
             </a:extLst>
           </p:cNvPr>
@@ -580,7 +580,7 @@
           <p:cNvPr id="3" name="竖排文字占位符 2">
             <a:extLst>
               <a:ext uri="{FF2B5EF4-FFF2-40B4-BE49-F238E27FC236}">
-                <a16:creationId xmlns:a16="http://schemas.microsoft.com/office/drawing/2014/main" id="{30D1D573-3020-D17A-1466-B3EC5372ED63}"/>
+                <a16:creationId xmlns:a16="http://schemas.microsoft.com/office/drawing/2014/main" id="{BA32AA66-4B84-877C-8CFA-C3553DD38078}"/>
               </a:ext>
             </a:extLst>
           </p:cNvPr>
@@ -642,7 +642,7 @@
           <p:cNvPr id="4" name="日期占位符 3">
             <a:extLst>
               <a:ext uri="{FF2B5EF4-FFF2-40B4-BE49-F238E27FC236}">
-                <a16:creationId xmlns:a16="http://schemas.microsoft.com/office/drawing/2014/main" id="{5EA3D68D-3A8C-5E93-6319-85587943562A}"/>
+                <a16:creationId xmlns:a16="http://schemas.microsoft.com/office/drawing/2014/main" id="{7CA40A8B-B786-12D8-371B-9DC02AF6D4D2}"/>
               </a:ext>
             </a:extLst>
           </p:cNvPr>
@@ -658,7 +658,7 @@
           <a:bodyPr/>
           <a:lstStyle/>
           <a:p>
-            <a:fld id="{43B4A34C-1A6F-4C42-93B1-9B3552973C8B}" type="datetimeFigureOut">
+            <a:fld id="{C3C6DC06-D994-4A62-9279-55A2E71164A1}" type="datetimeFigureOut">
               <a:rPr lang="zh-CN" altLang="en-US" smtClean="0"/>
               <a:t>2024/3/10</a:t>
             </a:fld>
@@ -671,7 +671,7 @@
           <p:cNvPr id="5" name="页脚占位符 4">
             <a:extLst>
               <a:ext uri="{FF2B5EF4-FFF2-40B4-BE49-F238E27FC236}">
-                <a16:creationId xmlns:a16="http://schemas.microsoft.com/office/drawing/2014/main" id="{87D0D554-989E-76BA-B6BB-5810BAF33252}"/>
+                <a16:creationId xmlns:a16="http://schemas.microsoft.com/office/drawing/2014/main" id="{7A2904B0-3FE1-604C-F83E-73D06534B4E2}"/>
               </a:ext>
             </a:extLst>
           </p:cNvPr>
@@ -696,7 +696,7 @@
           <p:cNvPr id="6" name="灯片编号占位符 5">
             <a:extLst>
               <a:ext uri="{FF2B5EF4-FFF2-40B4-BE49-F238E27FC236}">
-                <a16:creationId xmlns:a16="http://schemas.microsoft.com/office/drawing/2014/main" id="{8F954875-769D-5348-2A8D-1B16AE6351DF}"/>
+                <a16:creationId xmlns:a16="http://schemas.microsoft.com/office/drawing/2014/main" id="{9EBAB390-D39F-9FC3-33AA-A214022F1C7C}"/>
               </a:ext>
             </a:extLst>
           </p:cNvPr>
@@ -712,7 +712,7 @@
           <a:bodyPr/>
           <a:lstStyle/>
           <a:p>
-            <a:fld id="{DED1D945-452B-4DE2-8268-76FF60F7E2F9}" type="slidenum">
+            <a:fld id="{9118C0F3-5485-4DC6-85AF-7DC825BF1658}" type="slidenum">
               <a:rPr lang="zh-CN" altLang="en-US" smtClean="0"/>
               <a:t>‹#›</a:t>
             </a:fld>
@@ -723,7 +723,7 @@
     </p:spTree>
     <p:extLst>
       <p:ext uri="{BB962C8B-B14F-4D97-AF65-F5344CB8AC3E}">
-        <p14:creationId xmlns:p14="http://schemas.microsoft.com/office/powerpoint/2010/main" val="300282898"/>
+        <p14:creationId xmlns:p14="http://schemas.microsoft.com/office/powerpoint/2010/main" val="2598469447"/>
       </p:ext>
     </p:extLst>
   </p:cSld>
@@ -755,7 +755,7 @@
           <p:cNvPr id="2" name="标题 1">
             <a:extLst>
               <a:ext uri="{FF2B5EF4-FFF2-40B4-BE49-F238E27FC236}">
-                <a16:creationId xmlns:a16="http://schemas.microsoft.com/office/drawing/2014/main" id="{8C3D1598-43D2-6E75-5B1A-A4F2A56C0EC0}"/>
+                <a16:creationId xmlns:a16="http://schemas.microsoft.com/office/drawing/2014/main" id="{90B00A1C-6017-0D95-82D9-74A275A2C677}"/>
               </a:ext>
             </a:extLst>
           </p:cNvPr>
@@ -783,7 +783,7 @@
           <p:cNvPr id="3" name="内容占位符 2">
             <a:extLst>
               <a:ext uri="{FF2B5EF4-FFF2-40B4-BE49-F238E27FC236}">
-                <a16:creationId xmlns:a16="http://schemas.microsoft.com/office/drawing/2014/main" id="{63AE154C-88D7-29CF-2324-D50DAFBA07C5}"/>
+                <a16:creationId xmlns:a16="http://schemas.microsoft.com/office/drawing/2014/main" id="{C304A1C1-A020-3D2C-B2CF-270D0EC954BB}"/>
               </a:ext>
             </a:extLst>
           </p:cNvPr>
@@ -840,7 +840,7 @@
           <p:cNvPr id="4" name="日期占位符 3">
             <a:extLst>
               <a:ext uri="{FF2B5EF4-FFF2-40B4-BE49-F238E27FC236}">
-                <a16:creationId xmlns:a16="http://schemas.microsoft.com/office/drawing/2014/main" id="{BD413134-C6CF-4A84-8BE2-C3B2824AD5E9}"/>
+                <a16:creationId xmlns:a16="http://schemas.microsoft.com/office/drawing/2014/main" id="{09D495DF-AD81-F6A6-677E-1E58A228D390}"/>
               </a:ext>
             </a:extLst>
           </p:cNvPr>
@@ -856,7 +856,7 @@
           <a:bodyPr/>
           <a:lstStyle/>
           <a:p>
-            <a:fld id="{43B4A34C-1A6F-4C42-93B1-9B3552973C8B}" type="datetimeFigureOut">
+            <a:fld id="{C3C6DC06-D994-4A62-9279-55A2E71164A1}" type="datetimeFigureOut">
               <a:rPr lang="zh-CN" altLang="en-US" smtClean="0"/>
               <a:t>2024/3/10</a:t>
             </a:fld>
@@ -869,7 +869,7 @@
           <p:cNvPr id="5" name="页脚占位符 4">
             <a:extLst>
               <a:ext uri="{FF2B5EF4-FFF2-40B4-BE49-F238E27FC236}">
-                <a16:creationId xmlns:a16="http://schemas.microsoft.com/office/drawing/2014/main" id="{BFDE98FC-DBD9-3BEE-181B-28B39B2E1AE2}"/>
+                <a16:creationId xmlns:a16="http://schemas.microsoft.com/office/drawing/2014/main" id="{5F6772EA-7FF7-F46B-C89C-CDCFB38EA1B7}"/>
               </a:ext>
             </a:extLst>
           </p:cNvPr>
@@ -894,7 +894,7 @@
           <p:cNvPr id="6" name="灯片编号占位符 5">
             <a:extLst>
               <a:ext uri="{FF2B5EF4-FFF2-40B4-BE49-F238E27FC236}">
-                <a16:creationId xmlns:a16="http://schemas.microsoft.com/office/drawing/2014/main" id="{801EEEB8-D916-0B96-3DA3-896C4CE7A8EE}"/>
+                <a16:creationId xmlns:a16="http://schemas.microsoft.com/office/drawing/2014/main" id="{D5423149-7E16-A6B7-784C-9CF36BE1524C}"/>
               </a:ext>
             </a:extLst>
           </p:cNvPr>
@@ -910,7 +910,7 @@
           <a:bodyPr/>
           <a:lstStyle/>
           <a:p>
-            <a:fld id="{DED1D945-452B-4DE2-8268-76FF60F7E2F9}" type="slidenum">
+            <a:fld id="{9118C0F3-5485-4DC6-85AF-7DC825BF1658}" type="slidenum">
               <a:rPr lang="zh-CN" altLang="en-US" smtClean="0"/>
               <a:t>‹#›</a:t>
             </a:fld>
@@ -921,7 +921,7 @@
     </p:spTree>
     <p:extLst>
       <p:ext uri="{BB962C8B-B14F-4D97-AF65-F5344CB8AC3E}">
-        <p14:creationId xmlns:p14="http://schemas.microsoft.com/office/powerpoint/2010/main" val="3256547959"/>
+        <p14:creationId xmlns:p14="http://schemas.microsoft.com/office/powerpoint/2010/main" val="942581908"/>
       </p:ext>
     </p:extLst>
   </p:cSld>
@@ -953,7 +953,7 @@
           <p:cNvPr id="2" name="标题 1">
             <a:extLst>
               <a:ext uri="{FF2B5EF4-FFF2-40B4-BE49-F238E27FC236}">
-                <a16:creationId xmlns:a16="http://schemas.microsoft.com/office/drawing/2014/main" id="{0BEEEF66-72F2-FF36-1DBE-452BB4BDE5D5}"/>
+                <a16:creationId xmlns:a16="http://schemas.microsoft.com/office/drawing/2014/main" id="{5429BCA7-33F8-F3EE-E4B0-23D337A85099}"/>
               </a:ext>
             </a:extLst>
           </p:cNvPr>
@@ -990,7 +990,7 @@
           <p:cNvPr id="3" name="文本占位符 2">
             <a:extLst>
               <a:ext uri="{FF2B5EF4-FFF2-40B4-BE49-F238E27FC236}">
-                <a16:creationId xmlns:a16="http://schemas.microsoft.com/office/drawing/2014/main" id="{D18B4756-459E-8460-D785-D0B2C566DB00}"/>
+                <a16:creationId xmlns:a16="http://schemas.microsoft.com/office/drawing/2014/main" id="{BB4BE640-B03C-27EE-D01D-1CE2B7D7837E}"/>
               </a:ext>
             </a:extLst>
           </p:cNvPr>
@@ -1115,7 +1115,7 @@
           <p:cNvPr id="4" name="日期占位符 3">
             <a:extLst>
               <a:ext uri="{FF2B5EF4-FFF2-40B4-BE49-F238E27FC236}">
-                <a16:creationId xmlns:a16="http://schemas.microsoft.com/office/drawing/2014/main" id="{59021EA9-8BB1-FF45-B60A-487BF8364E8C}"/>
+                <a16:creationId xmlns:a16="http://schemas.microsoft.com/office/drawing/2014/main" id="{883349AF-DF20-6D7C-00A4-C297B6A5C973}"/>
               </a:ext>
             </a:extLst>
           </p:cNvPr>
@@ -1131,7 +1131,7 @@
           <a:bodyPr/>
           <a:lstStyle/>
           <a:p>
-            <a:fld id="{43B4A34C-1A6F-4C42-93B1-9B3552973C8B}" type="datetimeFigureOut">
+            <a:fld id="{C3C6DC06-D994-4A62-9279-55A2E71164A1}" type="datetimeFigureOut">
               <a:rPr lang="zh-CN" altLang="en-US" smtClean="0"/>
               <a:t>2024/3/10</a:t>
             </a:fld>
@@ -1144,7 +1144,7 @@
           <p:cNvPr id="5" name="页脚占位符 4">
             <a:extLst>
               <a:ext uri="{FF2B5EF4-FFF2-40B4-BE49-F238E27FC236}">
-                <a16:creationId xmlns:a16="http://schemas.microsoft.com/office/drawing/2014/main" id="{3CD8B10C-A0D3-0D7D-62F8-EC670B70C2EA}"/>
+                <a16:creationId xmlns:a16="http://schemas.microsoft.com/office/drawing/2014/main" id="{4A9AEBFD-70CD-5871-6A41-51640242BB6C}"/>
               </a:ext>
             </a:extLst>
           </p:cNvPr>
@@ -1169,7 +1169,7 @@
           <p:cNvPr id="6" name="灯片编号占位符 5">
             <a:extLst>
               <a:ext uri="{FF2B5EF4-FFF2-40B4-BE49-F238E27FC236}">
-                <a16:creationId xmlns:a16="http://schemas.microsoft.com/office/drawing/2014/main" id="{92397DA5-141A-8E95-06E0-B05C8B735CD4}"/>
+                <a16:creationId xmlns:a16="http://schemas.microsoft.com/office/drawing/2014/main" id="{4262F564-5E9D-4C16-2BEC-1877D2715141}"/>
               </a:ext>
             </a:extLst>
           </p:cNvPr>
@@ -1185,7 +1185,7 @@
           <a:bodyPr/>
           <a:lstStyle/>
           <a:p>
-            <a:fld id="{DED1D945-452B-4DE2-8268-76FF60F7E2F9}" type="slidenum">
+            <a:fld id="{9118C0F3-5485-4DC6-85AF-7DC825BF1658}" type="slidenum">
               <a:rPr lang="zh-CN" altLang="en-US" smtClean="0"/>
               <a:t>‹#›</a:t>
             </a:fld>
@@ -1196,7 +1196,7 @@
     </p:spTree>
     <p:extLst>
       <p:ext uri="{BB962C8B-B14F-4D97-AF65-F5344CB8AC3E}">
-        <p14:creationId xmlns:p14="http://schemas.microsoft.com/office/powerpoint/2010/main" val="3812961432"/>
+        <p14:creationId xmlns:p14="http://schemas.microsoft.com/office/powerpoint/2010/main" val="1200680032"/>
       </p:ext>
     </p:extLst>
   </p:cSld>
@@ -1228,7 +1228,7 @@
           <p:cNvPr id="2" name="标题 1">
             <a:extLst>
               <a:ext uri="{FF2B5EF4-FFF2-40B4-BE49-F238E27FC236}">
-                <a16:creationId xmlns:a16="http://schemas.microsoft.com/office/drawing/2014/main" id="{D7676EFE-4E4B-E837-90DA-A4D06B416BD6}"/>
+                <a16:creationId xmlns:a16="http://schemas.microsoft.com/office/drawing/2014/main" id="{3BDB2D12-36BE-B30A-8928-05CF4F9C0BB0}"/>
               </a:ext>
             </a:extLst>
           </p:cNvPr>
@@ -1256,7 +1256,7 @@
           <p:cNvPr id="3" name="内容占位符 2">
             <a:extLst>
               <a:ext uri="{FF2B5EF4-FFF2-40B4-BE49-F238E27FC236}">
-                <a16:creationId xmlns:a16="http://schemas.microsoft.com/office/drawing/2014/main" id="{05DA4CE3-50FD-DEC1-0D53-893ED9596BCB}"/>
+                <a16:creationId xmlns:a16="http://schemas.microsoft.com/office/drawing/2014/main" id="{996D7361-A85A-234D-FB80-B95202A40A5D}"/>
               </a:ext>
             </a:extLst>
           </p:cNvPr>
@@ -1318,7 +1318,7 @@
           <p:cNvPr id="4" name="内容占位符 3">
             <a:extLst>
               <a:ext uri="{FF2B5EF4-FFF2-40B4-BE49-F238E27FC236}">
-                <a16:creationId xmlns:a16="http://schemas.microsoft.com/office/drawing/2014/main" id="{EF6260C0-3C15-D0D7-DBA9-3F17CDDC9373}"/>
+                <a16:creationId xmlns:a16="http://schemas.microsoft.com/office/drawing/2014/main" id="{FB40E7D2-91A0-803C-9A54-40CE3AB68F55}"/>
               </a:ext>
             </a:extLst>
           </p:cNvPr>
@@ -1380,7 +1380,7 @@
           <p:cNvPr id="5" name="日期占位符 4">
             <a:extLst>
               <a:ext uri="{FF2B5EF4-FFF2-40B4-BE49-F238E27FC236}">
-                <a16:creationId xmlns:a16="http://schemas.microsoft.com/office/drawing/2014/main" id="{F464892A-9317-1ABA-5B9B-8931D06B7ECE}"/>
+                <a16:creationId xmlns:a16="http://schemas.microsoft.com/office/drawing/2014/main" id="{7D079156-7D88-51BE-7F40-5FFDA83C9359}"/>
               </a:ext>
             </a:extLst>
           </p:cNvPr>
@@ -1396,7 +1396,7 @@
           <a:bodyPr/>
           <a:lstStyle/>
           <a:p>
-            <a:fld id="{43B4A34C-1A6F-4C42-93B1-9B3552973C8B}" type="datetimeFigureOut">
+            <a:fld id="{C3C6DC06-D994-4A62-9279-55A2E71164A1}" type="datetimeFigureOut">
               <a:rPr lang="zh-CN" altLang="en-US" smtClean="0"/>
               <a:t>2024/3/10</a:t>
             </a:fld>
@@ -1409,7 +1409,7 @@
           <p:cNvPr id="6" name="页脚占位符 5">
             <a:extLst>
               <a:ext uri="{FF2B5EF4-FFF2-40B4-BE49-F238E27FC236}">
-                <a16:creationId xmlns:a16="http://schemas.microsoft.com/office/drawing/2014/main" id="{97DDA2A9-A4E1-04A0-EF32-C50C487D34A7}"/>
+                <a16:creationId xmlns:a16="http://schemas.microsoft.com/office/drawing/2014/main" id="{ED98327C-0052-36AC-08FC-D39E40A9B643}"/>
               </a:ext>
             </a:extLst>
           </p:cNvPr>
@@ -1434,7 +1434,7 @@
           <p:cNvPr id="7" name="灯片编号占位符 6">
             <a:extLst>
               <a:ext uri="{FF2B5EF4-FFF2-40B4-BE49-F238E27FC236}">
-                <a16:creationId xmlns:a16="http://schemas.microsoft.com/office/drawing/2014/main" id="{2D9C7ABE-1D30-C9B4-BEC8-B0E615945853}"/>
+                <a16:creationId xmlns:a16="http://schemas.microsoft.com/office/drawing/2014/main" id="{7584009C-4A8D-E43B-4BB8-82A2FB813286}"/>
               </a:ext>
             </a:extLst>
           </p:cNvPr>
@@ -1450,7 +1450,7 @@
           <a:bodyPr/>
           <a:lstStyle/>
           <a:p>
-            <a:fld id="{DED1D945-452B-4DE2-8268-76FF60F7E2F9}" type="slidenum">
+            <a:fld id="{9118C0F3-5485-4DC6-85AF-7DC825BF1658}" type="slidenum">
               <a:rPr lang="zh-CN" altLang="en-US" smtClean="0"/>
               <a:t>‹#›</a:t>
             </a:fld>
@@ -1461,7 +1461,7 @@
     </p:spTree>
     <p:extLst>
       <p:ext uri="{BB962C8B-B14F-4D97-AF65-F5344CB8AC3E}">
-        <p14:creationId xmlns:p14="http://schemas.microsoft.com/office/powerpoint/2010/main" val="2580393128"/>
+        <p14:creationId xmlns:p14="http://schemas.microsoft.com/office/powerpoint/2010/main" val="1705066381"/>
       </p:ext>
     </p:extLst>
   </p:cSld>
@@ -1493,7 +1493,7 @@
           <p:cNvPr id="2" name="标题 1">
             <a:extLst>
               <a:ext uri="{FF2B5EF4-FFF2-40B4-BE49-F238E27FC236}">
-                <a16:creationId xmlns:a16="http://schemas.microsoft.com/office/drawing/2014/main" id="{552AFCE0-4899-7DDB-91D4-C867445DAEDA}"/>
+                <a16:creationId xmlns:a16="http://schemas.microsoft.com/office/drawing/2014/main" id="{02DD9C00-6029-D287-1119-F973855A8454}"/>
               </a:ext>
             </a:extLst>
           </p:cNvPr>
@@ -1526,7 +1526,7 @@
           <p:cNvPr id="3" name="文本占位符 2">
             <a:extLst>
               <a:ext uri="{FF2B5EF4-FFF2-40B4-BE49-F238E27FC236}">
-                <a16:creationId xmlns:a16="http://schemas.microsoft.com/office/drawing/2014/main" id="{57620020-C1ED-AB48-C728-5FDF90E9FCB6}"/>
+                <a16:creationId xmlns:a16="http://schemas.microsoft.com/office/drawing/2014/main" id="{278F4FFD-843A-4352-6012-89F5437EC7B7}"/>
               </a:ext>
             </a:extLst>
           </p:cNvPr>
@@ -1597,7 +1597,7 @@
           <p:cNvPr id="4" name="内容占位符 3">
             <a:extLst>
               <a:ext uri="{FF2B5EF4-FFF2-40B4-BE49-F238E27FC236}">
-                <a16:creationId xmlns:a16="http://schemas.microsoft.com/office/drawing/2014/main" id="{9AC340DE-C1CF-E5BB-0EC2-777F1FF7771D}"/>
+                <a16:creationId xmlns:a16="http://schemas.microsoft.com/office/drawing/2014/main" id="{8B50FC72-EDD8-E89C-CECC-BA52B2B73C96}"/>
               </a:ext>
             </a:extLst>
           </p:cNvPr>
@@ -1659,7 +1659,7 @@
           <p:cNvPr id="5" name="文本占位符 4">
             <a:extLst>
               <a:ext uri="{FF2B5EF4-FFF2-40B4-BE49-F238E27FC236}">
-                <a16:creationId xmlns:a16="http://schemas.microsoft.com/office/drawing/2014/main" id="{3152DF36-DDD8-EA8A-3C9F-11646531E8BA}"/>
+                <a16:creationId xmlns:a16="http://schemas.microsoft.com/office/drawing/2014/main" id="{56C39BAE-4937-0F52-6292-2AE2C221A741}"/>
               </a:ext>
             </a:extLst>
           </p:cNvPr>
@@ -1730,7 +1730,7 @@
           <p:cNvPr id="6" name="内容占位符 5">
             <a:extLst>
               <a:ext uri="{FF2B5EF4-FFF2-40B4-BE49-F238E27FC236}">
-                <a16:creationId xmlns:a16="http://schemas.microsoft.com/office/drawing/2014/main" id="{74E4B34E-5970-7EC1-D727-9BDAF34FC57B}"/>
+                <a16:creationId xmlns:a16="http://schemas.microsoft.com/office/drawing/2014/main" id="{B437BF1F-A1C5-9722-8E53-63796F5B09CA}"/>
               </a:ext>
             </a:extLst>
           </p:cNvPr>
@@ -1792,7 +1792,7 @@
           <p:cNvPr id="7" name="日期占位符 6">
             <a:extLst>
               <a:ext uri="{FF2B5EF4-FFF2-40B4-BE49-F238E27FC236}">
-                <a16:creationId xmlns:a16="http://schemas.microsoft.com/office/drawing/2014/main" id="{86A4304F-162E-CAE6-BBF4-316F00F878F6}"/>
+                <a16:creationId xmlns:a16="http://schemas.microsoft.com/office/drawing/2014/main" id="{070F2896-50A6-F022-673A-C7A1FF69E7C1}"/>
               </a:ext>
             </a:extLst>
           </p:cNvPr>
@@ -1808,7 +1808,7 @@
           <a:bodyPr/>
           <a:lstStyle/>
           <a:p>
-            <a:fld id="{43B4A34C-1A6F-4C42-93B1-9B3552973C8B}" type="datetimeFigureOut">
+            <a:fld id="{C3C6DC06-D994-4A62-9279-55A2E71164A1}" type="datetimeFigureOut">
               <a:rPr lang="zh-CN" altLang="en-US" smtClean="0"/>
               <a:t>2024/3/10</a:t>
             </a:fld>
@@ -1821,7 +1821,7 @@
           <p:cNvPr id="8" name="页脚占位符 7">
             <a:extLst>
               <a:ext uri="{FF2B5EF4-FFF2-40B4-BE49-F238E27FC236}">
-                <a16:creationId xmlns:a16="http://schemas.microsoft.com/office/drawing/2014/main" id="{95933966-420A-AE4E-2EE0-3D484E125E41}"/>
+                <a16:creationId xmlns:a16="http://schemas.microsoft.com/office/drawing/2014/main" id="{11265EDC-BE24-9BC5-3889-10CE543D418F}"/>
               </a:ext>
             </a:extLst>
           </p:cNvPr>
@@ -1846,7 +1846,7 @@
           <p:cNvPr id="9" name="灯片编号占位符 8">
             <a:extLst>
               <a:ext uri="{FF2B5EF4-FFF2-40B4-BE49-F238E27FC236}">
-                <a16:creationId xmlns:a16="http://schemas.microsoft.com/office/drawing/2014/main" id="{9C0EA267-E9E6-849C-E04C-CA13BCC8F3F3}"/>
+                <a16:creationId xmlns:a16="http://schemas.microsoft.com/office/drawing/2014/main" id="{64B9038B-7240-57EF-C7C9-8BF70D3C5D44}"/>
               </a:ext>
             </a:extLst>
           </p:cNvPr>
@@ -1862,7 +1862,7 @@
           <a:bodyPr/>
           <a:lstStyle/>
           <a:p>
-            <a:fld id="{DED1D945-452B-4DE2-8268-76FF60F7E2F9}" type="slidenum">
+            <a:fld id="{9118C0F3-5485-4DC6-85AF-7DC825BF1658}" type="slidenum">
               <a:rPr lang="zh-CN" altLang="en-US" smtClean="0"/>
               <a:t>‹#›</a:t>
             </a:fld>
@@ -1873,7 +1873,7 @@
     </p:spTree>
     <p:extLst>
       <p:ext uri="{BB962C8B-B14F-4D97-AF65-F5344CB8AC3E}">
-        <p14:creationId xmlns:p14="http://schemas.microsoft.com/office/powerpoint/2010/main" val="3252749687"/>
+        <p14:creationId xmlns:p14="http://schemas.microsoft.com/office/powerpoint/2010/main" val="2546225893"/>
       </p:ext>
     </p:extLst>
   </p:cSld>
@@ -1905,7 +1905,7 @@
           <p:cNvPr id="2" name="标题 1">
             <a:extLst>
               <a:ext uri="{FF2B5EF4-FFF2-40B4-BE49-F238E27FC236}">
-                <a16:creationId xmlns:a16="http://schemas.microsoft.com/office/drawing/2014/main" id="{6A3D0A50-2B0C-6AAA-F346-A5BD211F4C50}"/>
+                <a16:creationId xmlns:a16="http://schemas.microsoft.com/office/drawing/2014/main" id="{3AC470A8-9084-1076-DEAB-720EF6730D28}"/>
               </a:ext>
             </a:extLst>
           </p:cNvPr>
@@ -1933,7 +1933,7 @@
           <p:cNvPr id="3" name="日期占位符 2">
             <a:extLst>
               <a:ext uri="{FF2B5EF4-FFF2-40B4-BE49-F238E27FC236}">
-                <a16:creationId xmlns:a16="http://schemas.microsoft.com/office/drawing/2014/main" id="{7EA51E4E-CE82-3839-E2C3-3BA7DDE9D571}"/>
+                <a16:creationId xmlns:a16="http://schemas.microsoft.com/office/drawing/2014/main" id="{9721D4CE-4E66-937A-ABE9-7C28023C5E4B}"/>
               </a:ext>
             </a:extLst>
           </p:cNvPr>
@@ -1949,7 +1949,7 @@
           <a:bodyPr/>
           <a:lstStyle/>
           <a:p>
-            <a:fld id="{43B4A34C-1A6F-4C42-93B1-9B3552973C8B}" type="datetimeFigureOut">
+            <a:fld id="{C3C6DC06-D994-4A62-9279-55A2E71164A1}" type="datetimeFigureOut">
               <a:rPr lang="zh-CN" altLang="en-US" smtClean="0"/>
               <a:t>2024/3/10</a:t>
             </a:fld>
@@ -1962,7 +1962,7 @@
           <p:cNvPr id="4" name="页脚占位符 3">
             <a:extLst>
               <a:ext uri="{FF2B5EF4-FFF2-40B4-BE49-F238E27FC236}">
-                <a16:creationId xmlns:a16="http://schemas.microsoft.com/office/drawing/2014/main" id="{C47161D5-3405-B176-9EAA-27A40DD95145}"/>
+                <a16:creationId xmlns:a16="http://schemas.microsoft.com/office/drawing/2014/main" id="{2A1A49D6-26EB-0288-C60D-C5D8EF27023E}"/>
               </a:ext>
             </a:extLst>
           </p:cNvPr>
@@ -1987,7 +1987,7 @@
           <p:cNvPr id="5" name="灯片编号占位符 4">
             <a:extLst>
               <a:ext uri="{FF2B5EF4-FFF2-40B4-BE49-F238E27FC236}">
-                <a16:creationId xmlns:a16="http://schemas.microsoft.com/office/drawing/2014/main" id="{EF0A3E3E-00B7-65C9-B591-D05D3D243DF7}"/>
+                <a16:creationId xmlns:a16="http://schemas.microsoft.com/office/drawing/2014/main" id="{EE09D18D-4571-9A08-AEC4-F257CB247E40}"/>
               </a:ext>
             </a:extLst>
           </p:cNvPr>
@@ -2003,7 +2003,7 @@
           <a:bodyPr/>
           <a:lstStyle/>
           <a:p>
-            <a:fld id="{DED1D945-452B-4DE2-8268-76FF60F7E2F9}" type="slidenum">
+            <a:fld id="{9118C0F3-5485-4DC6-85AF-7DC825BF1658}" type="slidenum">
               <a:rPr lang="zh-CN" altLang="en-US" smtClean="0"/>
               <a:t>‹#›</a:t>
             </a:fld>
@@ -2014,7 +2014,7 @@
     </p:spTree>
     <p:extLst>
       <p:ext uri="{BB962C8B-B14F-4D97-AF65-F5344CB8AC3E}">
-        <p14:creationId xmlns:p14="http://schemas.microsoft.com/office/powerpoint/2010/main" val="1926371470"/>
+        <p14:creationId xmlns:p14="http://schemas.microsoft.com/office/powerpoint/2010/main" val="3091249086"/>
       </p:ext>
     </p:extLst>
   </p:cSld>
@@ -2046,7 +2046,7 @@
           <p:cNvPr id="2" name="日期占位符 1">
             <a:extLst>
               <a:ext uri="{FF2B5EF4-FFF2-40B4-BE49-F238E27FC236}">
-                <a16:creationId xmlns:a16="http://schemas.microsoft.com/office/drawing/2014/main" id="{57BCF52D-7D0F-6D09-E3E3-EB6734F172FD}"/>
+                <a16:creationId xmlns:a16="http://schemas.microsoft.com/office/drawing/2014/main" id="{1556E9CC-3E23-2524-ADA1-DA8D43DA498B}"/>
               </a:ext>
             </a:extLst>
           </p:cNvPr>
@@ -2062,7 +2062,7 @@
           <a:bodyPr/>
           <a:lstStyle/>
           <a:p>
-            <a:fld id="{43B4A34C-1A6F-4C42-93B1-9B3552973C8B}" type="datetimeFigureOut">
+            <a:fld id="{C3C6DC06-D994-4A62-9279-55A2E71164A1}" type="datetimeFigureOut">
               <a:rPr lang="zh-CN" altLang="en-US" smtClean="0"/>
               <a:t>2024/3/10</a:t>
             </a:fld>
@@ -2075,7 +2075,7 @@
           <p:cNvPr id="3" name="页脚占位符 2">
             <a:extLst>
               <a:ext uri="{FF2B5EF4-FFF2-40B4-BE49-F238E27FC236}">
-                <a16:creationId xmlns:a16="http://schemas.microsoft.com/office/drawing/2014/main" id="{FFEF0F40-201F-5739-B6CC-78BCD16CB97B}"/>
+                <a16:creationId xmlns:a16="http://schemas.microsoft.com/office/drawing/2014/main" id="{428FEF07-2ADA-0672-D4A7-2438643CA045}"/>
               </a:ext>
             </a:extLst>
           </p:cNvPr>
@@ -2100,7 +2100,7 @@
           <p:cNvPr id="4" name="灯片编号占位符 3">
             <a:extLst>
               <a:ext uri="{FF2B5EF4-FFF2-40B4-BE49-F238E27FC236}">
-                <a16:creationId xmlns:a16="http://schemas.microsoft.com/office/drawing/2014/main" id="{399D98E3-89CE-90EA-8EB0-9E8220075A15}"/>
+                <a16:creationId xmlns:a16="http://schemas.microsoft.com/office/drawing/2014/main" id="{D6F067C7-FE1F-9101-7D81-96FA8E0F9783}"/>
               </a:ext>
             </a:extLst>
           </p:cNvPr>
@@ -2116,7 +2116,7 @@
           <a:bodyPr/>
           <a:lstStyle/>
           <a:p>
-            <a:fld id="{DED1D945-452B-4DE2-8268-76FF60F7E2F9}" type="slidenum">
+            <a:fld id="{9118C0F3-5485-4DC6-85AF-7DC825BF1658}" type="slidenum">
               <a:rPr lang="zh-CN" altLang="en-US" smtClean="0"/>
               <a:t>‹#›</a:t>
             </a:fld>
@@ -2127,7 +2127,7 @@
     </p:spTree>
     <p:extLst>
       <p:ext uri="{BB962C8B-B14F-4D97-AF65-F5344CB8AC3E}">
-        <p14:creationId xmlns:p14="http://schemas.microsoft.com/office/powerpoint/2010/main" val="3879197735"/>
+        <p14:creationId xmlns:p14="http://schemas.microsoft.com/office/powerpoint/2010/main" val="496728591"/>
       </p:ext>
     </p:extLst>
   </p:cSld>
@@ -2159,7 +2159,7 @@
           <p:cNvPr id="2" name="标题 1">
             <a:extLst>
               <a:ext uri="{FF2B5EF4-FFF2-40B4-BE49-F238E27FC236}">
-                <a16:creationId xmlns:a16="http://schemas.microsoft.com/office/drawing/2014/main" id="{E1325895-1122-BA4A-3552-7785A5D0B56D}"/>
+                <a16:creationId xmlns:a16="http://schemas.microsoft.com/office/drawing/2014/main" id="{D47C02B5-91EA-F3A9-68E0-BFD1AB6E2CD6}"/>
               </a:ext>
             </a:extLst>
           </p:cNvPr>
@@ -2196,7 +2196,7 @@
           <p:cNvPr id="3" name="内容占位符 2">
             <a:extLst>
               <a:ext uri="{FF2B5EF4-FFF2-40B4-BE49-F238E27FC236}">
-                <a16:creationId xmlns:a16="http://schemas.microsoft.com/office/drawing/2014/main" id="{5A20DE3B-ED4D-A5E0-73B3-9971D5B5A6AE}"/>
+                <a16:creationId xmlns:a16="http://schemas.microsoft.com/office/drawing/2014/main" id="{18BAAF1D-21D7-DB12-9808-3AF1ED9DC3DB}"/>
               </a:ext>
             </a:extLst>
           </p:cNvPr>
@@ -2286,7 +2286,7 @@
           <p:cNvPr id="4" name="文本占位符 3">
             <a:extLst>
               <a:ext uri="{FF2B5EF4-FFF2-40B4-BE49-F238E27FC236}">
-                <a16:creationId xmlns:a16="http://schemas.microsoft.com/office/drawing/2014/main" id="{EC4ABB25-B716-DED6-D066-9FF4C3CD3932}"/>
+                <a16:creationId xmlns:a16="http://schemas.microsoft.com/office/drawing/2014/main" id="{9E707A7B-6354-813C-6C1B-EABBAB620C44}"/>
               </a:ext>
             </a:extLst>
           </p:cNvPr>
@@ -2357,7 +2357,7 @@
           <p:cNvPr id="5" name="日期占位符 4">
             <a:extLst>
               <a:ext uri="{FF2B5EF4-FFF2-40B4-BE49-F238E27FC236}">
-                <a16:creationId xmlns:a16="http://schemas.microsoft.com/office/drawing/2014/main" id="{F906A618-3F78-3AB3-990B-DD9790DF9770}"/>
+                <a16:creationId xmlns:a16="http://schemas.microsoft.com/office/drawing/2014/main" id="{6E9F63F0-8927-23AD-9DA2-720E054DB519}"/>
               </a:ext>
             </a:extLst>
           </p:cNvPr>
@@ -2373,7 +2373,7 @@
           <a:bodyPr/>
           <a:lstStyle/>
           <a:p>
-            <a:fld id="{43B4A34C-1A6F-4C42-93B1-9B3552973C8B}" type="datetimeFigureOut">
+            <a:fld id="{C3C6DC06-D994-4A62-9279-55A2E71164A1}" type="datetimeFigureOut">
               <a:rPr lang="zh-CN" altLang="en-US" smtClean="0"/>
               <a:t>2024/3/10</a:t>
             </a:fld>
@@ -2386,7 +2386,7 @@
           <p:cNvPr id="6" name="页脚占位符 5">
             <a:extLst>
               <a:ext uri="{FF2B5EF4-FFF2-40B4-BE49-F238E27FC236}">
-                <a16:creationId xmlns:a16="http://schemas.microsoft.com/office/drawing/2014/main" id="{426AFC96-DE08-D6F6-D86B-D772D876A63E}"/>
+                <a16:creationId xmlns:a16="http://schemas.microsoft.com/office/drawing/2014/main" id="{BE7695C8-EAD0-FCAF-79A5-685A9D251F39}"/>
               </a:ext>
             </a:extLst>
           </p:cNvPr>
@@ -2411,7 +2411,7 @@
           <p:cNvPr id="7" name="灯片编号占位符 6">
             <a:extLst>
               <a:ext uri="{FF2B5EF4-FFF2-40B4-BE49-F238E27FC236}">
-                <a16:creationId xmlns:a16="http://schemas.microsoft.com/office/drawing/2014/main" id="{6D3A796A-2D1E-68E3-CD89-2438A5EF45C7}"/>
+                <a16:creationId xmlns:a16="http://schemas.microsoft.com/office/drawing/2014/main" id="{C9FB3BF3-1D9B-E84F-FE88-DB23DA5498C2}"/>
               </a:ext>
             </a:extLst>
           </p:cNvPr>
@@ -2427,7 +2427,7 @@
           <a:bodyPr/>
           <a:lstStyle/>
           <a:p>
-            <a:fld id="{DED1D945-452B-4DE2-8268-76FF60F7E2F9}" type="slidenum">
+            <a:fld id="{9118C0F3-5485-4DC6-85AF-7DC825BF1658}" type="slidenum">
               <a:rPr lang="zh-CN" altLang="en-US" smtClean="0"/>
               <a:t>‹#›</a:t>
             </a:fld>
@@ -2438,7 +2438,7 @@
     </p:spTree>
     <p:extLst>
       <p:ext uri="{BB962C8B-B14F-4D97-AF65-F5344CB8AC3E}">
-        <p14:creationId xmlns:p14="http://schemas.microsoft.com/office/powerpoint/2010/main" val="532363771"/>
+        <p14:creationId xmlns:p14="http://schemas.microsoft.com/office/powerpoint/2010/main" val="3100170038"/>
       </p:ext>
     </p:extLst>
   </p:cSld>
@@ -2470,7 +2470,7 @@
           <p:cNvPr id="2" name="标题 1">
             <a:extLst>
               <a:ext uri="{FF2B5EF4-FFF2-40B4-BE49-F238E27FC236}">
-                <a16:creationId xmlns:a16="http://schemas.microsoft.com/office/drawing/2014/main" id="{029EFE45-F7A5-B93C-03B7-2362E9BF9683}"/>
+                <a16:creationId xmlns:a16="http://schemas.microsoft.com/office/drawing/2014/main" id="{5A5483C9-DF02-BBDF-269F-9622B817C871}"/>
               </a:ext>
             </a:extLst>
           </p:cNvPr>
@@ -2507,7 +2507,7 @@
           <p:cNvPr id="3" name="图片占位符 2">
             <a:extLst>
               <a:ext uri="{FF2B5EF4-FFF2-40B4-BE49-F238E27FC236}">
-                <a16:creationId xmlns:a16="http://schemas.microsoft.com/office/drawing/2014/main" id="{5D850599-9B97-3D93-380E-5AEE82B10AC6}"/>
+                <a16:creationId xmlns:a16="http://schemas.microsoft.com/office/drawing/2014/main" id="{424B4C13-8E9D-A3C7-E6DD-A85D630BB88B}"/>
               </a:ext>
             </a:extLst>
           </p:cNvPr>
@@ -2574,7 +2574,7 @@
           <p:cNvPr id="4" name="文本占位符 3">
             <a:extLst>
               <a:ext uri="{FF2B5EF4-FFF2-40B4-BE49-F238E27FC236}">
-                <a16:creationId xmlns:a16="http://schemas.microsoft.com/office/drawing/2014/main" id="{E828FF47-7EA0-80EF-4691-8E715180335E}"/>
+                <a16:creationId xmlns:a16="http://schemas.microsoft.com/office/drawing/2014/main" id="{771A926A-48A6-543D-9178-8B60B8BA397A}"/>
               </a:ext>
             </a:extLst>
           </p:cNvPr>
@@ -2645,7 +2645,7 @@
           <p:cNvPr id="5" name="日期占位符 4">
             <a:extLst>
               <a:ext uri="{FF2B5EF4-FFF2-40B4-BE49-F238E27FC236}">
-                <a16:creationId xmlns:a16="http://schemas.microsoft.com/office/drawing/2014/main" id="{40C78B42-5D77-E7E5-69A9-D851DDF4D565}"/>
+                <a16:creationId xmlns:a16="http://schemas.microsoft.com/office/drawing/2014/main" id="{7BC2390E-D34F-86AA-2B86-E938F407FBD3}"/>
               </a:ext>
             </a:extLst>
           </p:cNvPr>
@@ -2661,7 +2661,7 @@
           <a:bodyPr/>
           <a:lstStyle/>
           <a:p>
-            <a:fld id="{43B4A34C-1A6F-4C42-93B1-9B3552973C8B}" type="datetimeFigureOut">
+            <a:fld id="{C3C6DC06-D994-4A62-9279-55A2E71164A1}" type="datetimeFigureOut">
               <a:rPr lang="zh-CN" altLang="en-US" smtClean="0"/>
               <a:t>2024/3/10</a:t>
             </a:fld>
@@ -2674,7 +2674,7 @@
           <p:cNvPr id="6" name="页脚占位符 5">
             <a:extLst>
               <a:ext uri="{FF2B5EF4-FFF2-40B4-BE49-F238E27FC236}">
-                <a16:creationId xmlns:a16="http://schemas.microsoft.com/office/drawing/2014/main" id="{62060856-DDFD-9861-B5DC-3403814F0C9D}"/>
+                <a16:creationId xmlns:a16="http://schemas.microsoft.com/office/drawing/2014/main" id="{F38616B9-D3BA-D74D-BAFF-0D24A50527BF}"/>
               </a:ext>
             </a:extLst>
           </p:cNvPr>
@@ -2699,7 +2699,7 @@
           <p:cNvPr id="7" name="灯片编号占位符 6">
             <a:extLst>
               <a:ext uri="{FF2B5EF4-FFF2-40B4-BE49-F238E27FC236}">
-                <a16:creationId xmlns:a16="http://schemas.microsoft.com/office/drawing/2014/main" id="{64F7DCE7-65BF-C5A9-D0A7-0FDBAA5C9A1A}"/>
+                <a16:creationId xmlns:a16="http://schemas.microsoft.com/office/drawing/2014/main" id="{9F2D77CB-AD2F-2142-9B8D-A8A8161DADA6}"/>
               </a:ext>
             </a:extLst>
           </p:cNvPr>
@@ -2715,7 +2715,7 @@
           <a:bodyPr/>
           <a:lstStyle/>
           <a:p>
-            <a:fld id="{DED1D945-452B-4DE2-8268-76FF60F7E2F9}" type="slidenum">
+            <a:fld id="{9118C0F3-5485-4DC6-85AF-7DC825BF1658}" type="slidenum">
               <a:rPr lang="zh-CN" altLang="en-US" smtClean="0"/>
               <a:t>‹#›</a:t>
             </a:fld>
@@ -2726,7 +2726,7 @@
     </p:spTree>
     <p:extLst>
       <p:ext uri="{BB962C8B-B14F-4D97-AF65-F5344CB8AC3E}">
-        <p14:creationId xmlns:p14="http://schemas.microsoft.com/office/powerpoint/2010/main" val="3406607451"/>
+        <p14:creationId xmlns:p14="http://schemas.microsoft.com/office/powerpoint/2010/main" val="3177306183"/>
       </p:ext>
     </p:extLst>
   </p:cSld>
@@ -2763,7 +2763,7 @@
           <p:cNvPr id="2" name="标题占位符 1">
             <a:extLst>
               <a:ext uri="{FF2B5EF4-FFF2-40B4-BE49-F238E27FC236}">
-                <a16:creationId xmlns:a16="http://schemas.microsoft.com/office/drawing/2014/main" id="{36027123-8339-6E55-2FB6-856681EBCDCF}"/>
+                <a16:creationId xmlns:a16="http://schemas.microsoft.com/office/drawing/2014/main" id="{8C375309-39A7-E758-7B97-DE50CCEEB354}"/>
               </a:ext>
             </a:extLst>
           </p:cNvPr>
@@ -2801,7 +2801,7 @@
           <p:cNvPr id="3" name="文本占位符 2">
             <a:extLst>
               <a:ext uri="{FF2B5EF4-FFF2-40B4-BE49-F238E27FC236}">
-                <a16:creationId xmlns:a16="http://schemas.microsoft.com/office/drawing/2014/main" id="{2E55BBEF-42A9-78AE-2C6D-0403649920D1}"/>
+                <a16:creationId xmlns:a16="http://schemas.microsoft.com/office/drawing/2014/main" id="{62DCD012-D209-5F34-22D5-C7189A3A95F3}"/>
               </a:ext>
             </a:extLst>
           </p:cNvPr>
@@ -2868,7 +2868,7 @@
           <p:cNvPr id="4" name="日期占位符 3">
             <a:extLst>
               <a:ext uri="{FF2B5EF4-FFF2-40B4-BE49-F238E27FC236}">
-                <a16:creationId xmlns:a16="http://schemas.microsoft.com/office/drawing/2014/main" id="{4794606B-BEBE-6890-9C16-25E3C8533CC0}"/>
+                <a16:creationId xmlns:a16="http://schemas.microsoft.com/office/drawing/2014/main" id="{3BCA4633-55D4-60F4-9FCD-1351E76AA39C}"/>
               </a:ext>
             </a:extLst>
           </p:cNvPr>
@@ -2902,7 +2902,7 @@
             </a:lvl1pPr>
           </a:lstStyle>
           <a:p>
-            <a:fld id="{43B4A34C-1A6F-4C42-93B1-9B3552973C8B}" type="datetimeFigureOut">
+            <a:fld id="{C3C6DC06-D994-4A62-9279-55A2E71164A1}" type="datetimeFigureOut">
               <a:rPr lang="zh-CN" altLang="en-US" smtClean="0"/>
               <a:t>2024/3/10</a:t>
             </a:fld>
@@ -2915,7 +2915,7 @@
           <p:cNvPr id="5" name="页脚占位符 4">
             <a:extLst>
               <a:ext uri="{FF2B5EF4-FFF2-40B4-BE49-F238E27FC236}">
-                <a16:creationId xmlns:a16="http://schemas.microsoft.com/office/drawing/2014/main" id="{94BA7655-4A61-465F-92C5-0F5A7CA471B7}"/>
+                <a16:creationId xmlns:a16="http://schemas.microsoft.com/office/drawing/2014/main" id="{074E9756-EDDA-04F7-0B78-EA36798DE5C5}"/>
               </a:ext>
             </a:extLst>
           </p:cNvPr>
@@ -2958,7 +2958,7 @@
           <p:cNvPr id="6" name="灯片编号占位符 5">
             <a:extLst>
               <a:ext uri="{FF2B5EF4-FFF2-40B4-BE49-F238E27FC236}">
-                <a16:creationId xmlns:a16="http://schemas.microsoft.com/office/drawing/2014/main" id="{76CF16D4-4603-5241-EAE8-0B5B57FCD3C4}"/>
+                <a16:creationId xmlns:a16="http://schemas.microsoft.com/office/drawing/2014/main" id="{3E92A6CD-E76D-4D74-E85B-E54A62966424}"/>
               </a:ext>
             </a:extLst>
           </p:cNvPr>
@@ -2992,7 +2992,7 @@
             </a:lvl1pPr>
           </a:lstStyle>
           <a:p>
-            <a:fld id="{DED1D945-452B-4DE2-8268-76FF60F7E2F9}" type="slidenum">
+            <a:fld id="{9118C0F3-5485-4DC6-85AF-7DC825BF1658}" type="slidenum">
               <a:rPr lang="zh-CN" altLang="en-US" smtClean="0"/>
               <a:t>‹#›</a:t>
             </a:fld>
@@ -3003,7 +3003,7 @@
     </p:spTree>
     <p:extLst>
       <p:ext uri="{BB962C8B-B14F-4D97-AF65-F5344CB8AC3E}">
-        <p14:creationId xmlns:p14="http://schemas.microsoft.com/office/powerpoint/2010/main" val="3896708239"/>
+        <p14:creationId xmlns:p14="http://schemas.microsoft.com/office/powerpoint/2010/main" val="775133756"/>
       </p:ext>
     </p:extLst>
   </p:cSld>
